--- a/raman_16_Jan.pptx
+++ b/raman_16_Jan.pptx
@@ -6400,46 +6400,32 @@
             <a:pPr lvl="1"/>
             <a:r>
               <a:rPr lang="en-US" sz="2000" dirty="0"/>
-              <a:t>Still working with a “black </a:t>
-            </a:r>
-            <a:r>
-              <a:rPr lang="en-US" sz="2000"/>
-              <a:t>box” </a:t>
-            </a:r>
-            <a:endParaRPr lang="en-US" sz="2000" dirty="0"/>
-          </a:p>
-          <a:p>
-            <a:pPr lvl="1"/>
+              <a:t>Still working with a “black box” model, but obtaining better results.</a:t>
+            </a:r>
+          </a:p>
+          <a:p>
+            <a:pPr marL="201168" lvl="1" indent="0">
+              <a:buNone/>
+            </a:pPr>
             <a:r>
               <a:rPr lang="en-US" sz="2000" dirty="0"/>
-              <a:t>For more field </a:t>
-            </a:r>
-            <a:r>
-              <a:rPr lang="en-US" sz="2000" dirty="0" err="1"/>
-              <a:t>deployability</a:t>
-            </a:r>
+              <a:t>Improved accuracy for each type of plastic.</a:t>
+            </a:r>
+          </a:p>
+          <a:p>
+            <a:pPr marL="201168" lvl="1" indent="0">
+              <a:buNone/>
+            </a:pPr>
+            <a:endParaRPr lang="en-US" sz="2200" dirty="0"/>
+          </a:p>
+          <a:p>
+            <a:pPr marL="201168" lvl="1" indent="0">
+              <a:buNone/>
+            </a:pPr>
             <a:r>
               <a:rPr lang="en-US" sz="2000" dirty="0"/>
-              <a:t>, include samples n different conditions (microscopic, microscopic, in water)</a:t>
-            </a:r>
-          </a:p>
-          <a:p>
-            <a:pPr lvl="1"/>
-            <a:r>
-              <a:rPr lang="en-US" sz="2000" dirty="0"/>
-              <a:t>Add information about the age of the sample (to be able to study this)</a:t>
-            </a:r>
-          </a:p>
-          <a:p>
-            <a:r>
-              <a:rPr lang="en-US" dirty="0"/>
-              <a:t>More uniformity of database is required.</a:t>
-            </a:r>
-            <a:r>
-              <a:rPr lang="en-US" sz="2000" dirty="0"/>
-              <a:t> The size is ok (20-50 per plastic), but it must be more uniform, and the </a:t>
-            </a:r>
-            <a:endParaRPr lang="en-US" dirty="0"/>
+              <a:t>Writing the final report and presentation</a:t>
+            </a:r>
           </a:p>
         </p:txBody>
       </p:sp>
